--- a/JSS/JSS_PPT_template_20210721.pptx
+++ b/JSS/JSS_PPT_template_20210721.pptx
@@ -269,7 +269,7 @@
       <p15:notesGuideLst xmlns:p15="http://schemas.microsoft.com/office/powerpoint/2012/main"/>
     </p:ext>
     <p:ext uri="http://customooxmlschemas.google.com/">
-      <go:slidesCustomData xmlns:go="http://customooxmlschemas.google.com/" xmlns:ahyp="http://schemas.microsoft.com/office/drawing/2018/hyperlinkcolor" xmlns:p15="http://schemas.microsoft.com/office/powerpoint/2012/main" xmlns:p14="http://schemas.microsoft.com/office/powerpoint/2010/main" xmlns:com="http://schemas.openxmlformats.org/drawingml/2006/compatibility" xmlns:pvml="urn:schemas-microsoft-com:office:powerpoint" xmlns:v="urn:schemas-microsoft-com:vml" xmlns:o="urn:schemas-microsoft-com:office:office" xmlns:dgm="http://schemas.openxmlformats.org/drawingml/2006/diagram" xmlns:c="http://schemas.openxmlformats.org/drawingml/2006/chart" xmlns:mv="urn:schemas-microsoft-com:mac:vml" xmlns:mc="http://schemas.openxmlformats.org/markup-compatibility/2006" xmlns="" r:id="rId16" roundtripDataSignature="AMtx7mikFXZLX1IKmuDx5MsBo+2Xo9Cawg=="/>
+      <go:slidesCustomData xmlns="" xmlns:mc="http://schemas.openxmlformats.org/markup-compatibility/2006" xmlns:mv="urn:schemas-microsoft-com:mac:vml" xmlns:c="http://schemas.openxmlformats.org/drawingml/2006/chart" xmlns:dgm="http://schemas.openxmlformats.org/drawingml/2006/diagram" xmlns:o="urn:schemas-microsoft-com:office:office" xmlns:v="urn:schemas-microsoft-com:vml" xmlns:pvml="urn:schemas-microsoft-com:office:powerpoint" xmlns:com="http://schemas.openxmlformats.org/drawingml/2006/compatibility" xmlns:p14="http://schemas.microsoft.com/office/powerpoint/2010/main" xmlns:p15="http://schemas.microsoft.com/office/powerpoint/2012/main" xmlns:ahyp="http://schemas.microsoft.com/office/drawing/2018/hyperlinkcolor" xmlns:go="http://customooxmlschemas.google.com/" r:id="rId16" roundtripDataSignature="AMtx7mikFXZLX1IKmuDx5MsBo+2Xo9Cawg=="/>
     </p:ext>
   </p:extLst>
 </p:presentation>
@@ -369,7 +369,7 @@
           <a:p>
             <a:fld id="{97A16BEF-89A7-4CC3-B1E9-A1A4EBC31DFC}" type="datetimeFigureOut">
               <a:rPr kumimoji="1" lang="ja-JP" altLang="en-US" smtClean="0"/>
-              <a:t>2021/7/21</a:t>
+              <a:t>2022/1/31</a:t>
             </a:fld>
             <a:endParaRPr kumimoji="1" lang="ja-JP" altLang="en-US"/>
           </a:p>
@@ -5517,7 +5517,7 @@
                 <a:cs typeface="Meiryo"/>
                 <a:sym typeface="Meiryo"/>
               </a:rPr>
-              <a:t>21</a:t>
+              <a:t>22</a:t>
             </a:r>
             <a:r>
               <a:rPr lang="ja-JP" sz="900" b="1" i="0" dirty="0">
@@ -6654,7 +6654,7 @@
                 <a:cs typeface="Meiryo"/>
                 <a:sym typeface="Meiryo"/>
               </a:rPr>
-              <a:t>21</a:t>
+              <a:t>22</a:t>
             </a:r>
             <a:r>
               <a:rPr lang="ja-JP" sz="900" b="1" i="0" dirty="0">
